--- a/Präsentation.pptx
+++ b/Präsentation.pptx
@@ -13,14 +13,15 @@
     <p:sldId id="272" r:id="rId7"/>
     <p:sldId id="273" r:id="rId8"/>
     <p:sldId id="260" r:id="rId9"/>
-    <p:sldId id="265" r:id="rId10"/>
-    <p:sldId id="261" r:id="rId11"/>
-    <p:sldId id="274" r:id="rId12"/>
-    <p:sldId id="275" r:id="rId13"/>
-    <p:sldId id="262" r:id="rId14"/>
-    <p:sldId id="267" r:id="rId15"/>
-    <p:sldId id="268" r:id="rId16"/>
-    <p:sldId id="269" r:id="rId17"/>
+    <p:sldId id="276" r:id="rId10"/>
+    <p:sldId id="277" r:id="rId11"/>
+    <p:sldId id="261" r:id="rId12"/>
+    <p:sldId id="274" r:id="rId13"/>
+    <p:sldId id="275" r:id="rId14"/>
+    <p:sldId id="262" r:id="rId15"/>
+    <p:sldId id="267" r:id="rId16"/>
+    <p:sldId id="268" r:id="rId17"/>
+    <p:sldId id="269" r:id="rId18"/>
   </p:sldIdLst>
   <p:sldSz cx="9144000" cy="6858000" type="screen4x3"/>
   <p:notesSz cx="6858000" cy="9144000"/>
@@ -7532,6 +7533,139 @@
           <a:lstStyle/>
           <a:p>
             <a:r>
+              <a:rPr lang="de-DE" dirty="0" err="1" smtClean="0"/>
+              <a:t>EasyMock</a:t>
+            </a:r>
+            <a:r>
+              <a:rPr lang="de-DE" dirty="0" smtClean="0"/>
+              <a:t> blockt die Combo</a:t>
+            </a:r>
+            <a:endParaRPr lang="de-DE" dirty="0"/>
+          </a:p>
+        </p:txBody>
+      </p:sp>
+      <p:pic>
+        <p:nvPicPr>
+          <p:cNvPr id="7" name="Bildplatzhalter 6" descr="Runde3EasyMock_2.png"/>
+          <p:cNvPicPr>
+            <a:picLocks noGrp="1" noChangeAspect="1"/>
+          </p:cNvPicPr>
+          <p:nvPr>
+            <p:ph type="pic" sz="quarter" idx="17"/>
+          </p:nvPr>
+        </p:nvPicPr>
+        <p:blipFill>
+          <a:blip r:embed="rId2">
+            <a:extLst>
+              <a:ext uri="{28A0092B-C50C-407E-A947-70E740481C1C}">
+                <a14:useLocalDpi xmlns:a14="http://schemas.microsoft.com/office/drawing/2010/main" val="0"/>
+              </a:ext>
+            </a:extLst>
+          </a:blip>
+          <a:srcRect l="12932" r="12932"/>
+          <a:stretch>
+            <a:fillRect/>
+          </a:stretch>
+        </p:blipFill>
+        <p:spPr/>
+      </p:pic>
+      <p:pic>
+        <p:nvPicPr>
+          <p:cNvPr id="6" name="Bildplatzhalter 5" descr="Runde3EasyMock_1.png"/>
+          <p:cNvPicPr>
+            <a:picLocks noGrp="1" noChangeAspect="1"/>
+          </p:cNvPicPr>
+          <p:nvPr>
+            <p:ph type="pic" sz="quarter" idx="16"/>
+          </p:nvPr>
+        </p:nvPicPr>
+        <p:blipFill>
+          <a:blip r:embed="rId3">
+            <a:extLst>
+              <a:ext uri="{28A0092B-C50C-407E-A947-70E740481C1C}">
+                <a14:useLocalDpi xmlns:a14="http://schemas.microsoft.com/office/drawing/2010/main" val="0"/>
+              </a:ext>
+            </a:extLst>
+          </a:blip>
+          <a:srcRect l="10897" r="10897"/>
+          <a:stretch>
+            <a:fillRect/>
+          </a:stretch>
+        </p:blipFill>
+        <p:spPr/>
+      </p:pic>
+      <p:sp>
+        <p:nvSpPr>
+          <p:cNvPr id="5" name="Textplatzhalter 4"/>
+          <p:cNvSpPr>
+            <a:spLocks noGrp="1"/>
+          </p:cNvSpPr>
+          <p:nvPr>
+            <p:ph type="body" sz="half" idx="2"/>
+          </p:nvPr>
+        </p:nvSpPr>
+        <p:spPr/>
+        <p:txBody>
+          <a:bodyPr/>
+          <a:lstStyle/>
+          <a:p>
+            <a:endParaRPr lang="de-DE"/>
+          </a:p>
+        </p:txBody>
+      </p:sp>
+    </p:spTree>
+    <p:extLst>
+      <p:ext uri="{BB962C8B-B14F-4D97-AF65-F5344CB8AC3E}">
+        <p14:creationId xmlns:p14="http://schemas.microsoft.com/office/powerpoint/2010/main" val="3466923608"/>
+      </p:ext>
+    </p:extLst>
+  </p:cSld>
+  <p:clrMapOvr>
+    <a:masterClrMapping/>
+  </p:clrMapOvr>
+  <p:timing>
+    <p:tnLst>
+      <p:par>
+        <p:cTn xmlns:p14="http://schemas.microsoft.com/office/powerpoint/2010/main" id="1" dur="indefinite" restart="never" nodeType="tmRoot"/>
+      </p:par>
+    </p:tnLst>
+  </p:timing>
+</p:sld>
+</file>
+
+<file path=ppt/slides/slide11.xml><?xml version="1.0" encoding="utf-8"?>
+<p:sld xmlns:a="http://schemas.openxmlformats.org/drawingml/2006/main" xmlns:r="http://schemas.openxmlformats.org/officeDocument/2006/relationships" xmlns:p="http://schemas.openxmlformats.org/presentationml/2006/main">
+  <p:cSld>
+    <p:spTree>
+      <p:nvGrpSpPr>
+        <p:cNvPr id="1" name=""/>
+        <p:cNvGrpSpPr/>
+        <p:nvPr/>
+      </p:nvGrpSpPr>
+      <p:grpSpPr>
+        <a:xfrm>
+          <a:off x="0" y="0"/>
+          <a:ext cx="0" cy="0"/>
+          <a:chOff x="0" y="0"/>
+          <a:chExt cx="0" cy="0"/>
+        </a:xfrm>
+      </p:grpSpPr>
+      <p:sp>
+        <p:nvSpPr>
+          <p:cNvPr id="2" name="Titel 1"/>
+          <p:cNvSpPr>
+            <a:spLocks noGrp="1"/>
+          </p:cNvSpPr>
+          <p:nvPr>
+            <p:ph type="title"/>
+          </p:nvPr>
+        </p:nvSpPr>
+        <p:spPr/>
+        <p:txBody>
+          <a:bodyPr/>
+          <a:lstStyle/>
+          <a:p>
+            <a:r>
               <a:rPr lang="de-DE" sz="8000" dirty="0" smtClean="0"/>
               <a:t>Runde 4</a:t>
             </a:r>
@@ -7680,7 +7814,7 @@
 </p:sld>
 </file>
 
-<file path=ppt/slides/slide11.xml><?xml version="1.0" encoding="utf-8"?>
+<file path=ppt/slides/slide12.xml><?xml version="1.0" encoding="utf-8"?>
 <p:sld xmlns:a="http://schemas.openxmlformats.org/drawingml/2006/main" xmlns:r="http://schemas.openxmlformats.org/officeDocument/2006/relationships" xmlns:p="http://schemas.openxmlformats.org/presentationml/2006/main">
   <p:cSld>
     <p:spTree>
@@ -7717,12 +7851,8 @@
               <a:t>EasyMock</a:t>
             </a:r>
             <a:r>
-              <a:rPr lang="de-DE" smtClean="0"/>
-              <a:t> </a:t>
-            </a:r>
-            <a:r>
-              <a:rPr lang="de-DE" smtClean="0"/>
-              <a:t>legt vor</a:t>
+              <a:rPr lang="de-DE" dirty="0" smtClean="0"/>
+              <a:t> legt vor</a:t>
             </a:r>
             <a:endParaRPr lang="de-DE" dirty="0"/>
           </a:p>
@@ -7792,7 +7922,7 @@
 </p:sld>
 </file>
 
-<file path=ppt/slides/slide12.xml><?xml version="1.0" encoding="utf-8"?>
+<file path=ppt/slides/slide13.xml><?xml version="1.0" encoding="utf-8"?>
 <p:sld xmlns:a="http://schemas.openxmlformats.org/drawingml/2006/main" xmlns:r="http://schemas.openxmlformats.org/officeDocument/2006/relationships" xmlns:p="http://schemas.openxmlformats.org/presentationml/2006/main">
   <p:cSld>
     <p:spTree>
@@ -7830,7 +7960,7 @@
             </a:r>
             <a:r>
               <a:rPr lang="de-DE" dirty="0" smtClean="0"/>
-              <a:t> kontert</a:t>
+              <a:t> zaubert</a:t>
             </a:r>
             <a:endParaRPr lang="de-DE" dirty="0"/>
           </a:p>
@@ -7857,7 +7987,7 @@
       </p:sp>
       <p:pic>
         <p:nvPicPr>
-          <p:cNvPr id="6" name="Bildplatzhalter 5" descr="Runde2Mockito.png"/>
+          <p:cNvPr id="5" name="Bildplatzhalter 4" descr="Runde4Mockito.png"/>
           <p:cNvPicPr>
             <a:picLocks noGrp="1" noChangeAspect="1"/>
           </p:cNvPicPr>
@@ -7873,7 +8003,7 @@
               </a:ext>
             </a:extLst>
           </a:blip>
-          <a:srcRect l="23791" r="23791"/>
+          <a:srcRect t="3893" b="3893"/>
           <a:stretch>
             <a:fillRect/>
           </a:stretch>
@@ -7900,7 +8030,7 @@
 </p:sld>
 </file>
 
-<file path=ppt/slides/slide13.xml><?xml version="1.0" encoding="utf-8"?>
+<file path=ppt/slides/slide14.xml><?xml version="1.0" encoding="utf-8"?>
 <p:sld xmlns:a="http://schemas.openxmlformats.org/drawingml/2006/main" xmlns:r="http://schemas.openxmlformats.org/officeDocument/2006/relationships" xmlns:p="http://schemas.openxmlformats.org/presentationml/2006/main">
   <p:cSld>
     <p:spTree>
@@ -8081,7 +8211,7 @@
 </p:sld>
 </file>
 
-<file path=ppt/slides/slide14.xml><?xml version="1.0" encoding="utf-8"?>
+<file path=ppt/slides/slide15.xml><?xml version="1.0" encoding="utf-8"?>
 <p:sld xmlns:a="http://schemas.openxmlformats.org/drawingml/2006/main" xmlns:r="http://schemas.openxmlformats.org/officeDocument/2006/relationships" xmlns:p="http://schemas.openxmlformats.org/presentationml/2006/main">
   <p:cSld>
     <p:spTree>
@@ -8156,7 +8286,7 @@
 </p:sld>
 </file>
 
-<file path=ppt/slides/slide15.xml><?xml version="1.0" encoding="utf-8"?>
+<file path=ppt/slides/slide16.xml><?xml version="1.0" encoding="utf-8"?>
 <p:sld xmlns:a="http://schemas.openxmlformats.org/drawingml/2006/main" xmlns:r="http://schemas.openxmlformats.org/officeDocument/2006/relationships" xmlns:p="http://schemas.openxmlformats.org/presentationml/2006/main">
   <p:cSld>
     <p:spTree>
@@ -8337,7 +8467,7 @@
 </p:sld>
 </file>
 
-<file path=ppt/slides/slide16.xml><?xml version="1.0" encoding="utf-8"?>
+<file path=ppt/slides/slide17.xml><?xml version="1.0" encoding="utf-8"?>
 <p:sld xmlns:a="http://schemas.openxmlformats.org/drawingml/2006/main" xmlns:r="http://schemas.openxmlformats.org/officeDocument/2006/relationships" xmlns:p="http://schemas.openxmlformats.org/presentationml/2006/main">
   <p:cSld>
     <p:spTree>
@@ -8402,6 +8532,13 @@
   <p:clrMapOvr>
     <a:masterClrMapping/>
   </p:clrMapOvr>
+  <p:timing>
+    <p:tnLst>
+      <p:par>
+        <p:cTn xmlns:p14="http://schemas.microsoft.com/office/powerpoint/2010/main" id="1" dur="indefinite" restart="never" nodeType="tmRoot"/>
+      </p:par>
+    </p:tnLst>
+  </p:timing>
 </p:sld>
 </file>
 
@@ -9398,7 +9535,59 @@
             <a:spLocks noGrp="1"/>
           </p:cNvSpPr>
           <p:nvPr>
-            <p:ph type="ctrTitle"/>
+            <p:ph type="title"/>
+          </p:nvPr>
+        </p:nvSpPr>
+        <p:spPr/>
+        <p:txBody>
+          <a:bodyPr/>
+          <a:lstStyle/>
+          <a:p>
+            <a:r>
+              <a:rPr lang="de-DE" dirty="0" err="1" smtClean="0"/>
+              <a:t>Mockito</a:t>
+            </a:r>
+            <a:r>
+              <a:rPr lang="de-DE" dirty="0" smtClean="0"/>
+              <a:t> startet eine Combo</a:t>
+            </a:r>
+            <a:endParaRPr lang="de-DE" dirty="0"/>
+          </a:p>
+        </p:txBody>
+      </p:sp>
+      <p:pic>
+        <p:nvPicPr>
+          <p:cNvPr id="9" name="Bildplatzhalter 8" descr="Runde3Mockito_1.png"/>
+          <p:cNvPicPr>
+            <a:picLocks noGrp="1" noChangeAspect="1"/>
+          </p:cNvPicPr>
+          <p:nvPr>
+            <p:ph type="pic" sz="quarter" idx="16"/>
+          </p:nvPr>
+        </p:nvPicPr>
+        <p:blipFill>
+          <a:blip r:embed="rId2">
+            <a:extLst>
+              <a:ext uri="{28A0092B-C50C-407E-A947-70E740481C1C}">
+                <a14:useLocalDpi xmlns:a14="http://schemas.microsoft.com/office/drawing/2010/main" val="0"/>
+              </a:ext>
+            </a:extLst>
+          </a:blip>
+          <a:srcRect l="6438" r="6438"/>
+          <a:stretch>
+            <a:fillRect/>
+          </a:stretch>
+        </p:blipFill>
+        <p:spPr/>
+      </p:pic>
+      <p:sp>
+        <p:nvSpPr>
+          <p:cNvPr id="5" name="Textplatzhalter 4"/>
+          <p:cNvSpPr>
+            <a:spLocks noGrp="1"/>
+          </p:cNvSpPr>
+          <p:nvPr>
+            <p:ph type="body" sz="half" idx="2"/>
           </p:nvPr>
         </p:nvSpPr>
         <p:spPr/>
@@ -9410,29 +9599,35 @@
           </a:p>
         </p:txBody>
       </p:sp>
-      <p:sp>
-        <p:nvSpPr>
-          <p:cNvPr id="3" name="Untertitel 2"/>
-          <p:cNvSpPr>
-            <a:spLocks noGrp="1"/>
-          </p:cNvSpPr>
-          <p:nvPr>
-            <p:ph type="subTitle" idx="1"/>
-          </p:nvPr>
-        </p:nvSpPr>
-        <p:spPr/>
-        <p:txBody>
-          <a:bodyPr/>
-          <a:lstStyle/>
-          <a:p>
-            <a:endParaRPr lang="de-DE"/>
-          </a:p>
-        </p:txBody>
-      </p:sp>
+      <p:pic>
+        <p:nvPicPr>
+          <p:cNvPr id="8" name="Bildplatzhalter 7" descr="Runde3Mockito_2.png"/>
+          <p:cNvPicPr>
+            <a:picLocks noGrp="1" noChangeAspect="1"/>
+          </p:cNvPicPr>
+          <p:nvPr>
+            <p:ph type="pic" sz="quarter" idx="17"/>
+          </p:nvPr>
+        </p:nvPicPr>
+        <p:blipFill>
+          <a:blip r:embed="rId3">
+            <a:extLst>
+              <a:ext uri="{28A0092B-C50C-407E-A947-70E740481C1C}">
+                <a14:useLocalDpi xmlns:a14="http://schemas.microsoft.com/office/drawing/2010/main" val="0"/>
+              </a:ext>
+            </a:extLst>
+          </a:blip>
+          <a:srcRect l="11313" r="11313"/>
+          <a:stretch>
+            <a:fillRect/>
+          </a:stretch>
+        </p:blipFill>
+        <p:spPr/>
+      </p:pic>
     </p:spTree>
     <p:extLst>
       <p:ext uri="{BB962C8B-B14F-4D97-AF65-F5344CB8AC3E}">
-        <p14:creationId xmlns:p14="http://schemas.microsoft.com/office/powerpoint/2010/main" val="1151840345"/>
+        <p14:creationId xmlns:p14="http://schemas.microsoft.com/office/powerpoint/2010/main" val="3924234869"/>
       </p:ext>
     </p:extLst>
   </p:cSld>

--- a/Präsentation.pptx
+++ b/Präsentation.pptx
@@ -20,8 +20,9 @@
     <p:sldId id="275" r:id="rId14"/>
     <p:sldId id="262" r:id="rId15"/>
     <p:sldId id="267" r:id="rId16"/>
-    <p:sldId id="268" r:id="rId17"/>
-    <p:sldId id="269" r:id="rId18"/>
+    <p:sldId id="278" r:id="rId17"/>
+    <p:sldId id="268" r:id="rId18"/>
+    <p:sldId id="269" r:id="rId19"/>
   </p:sldIdLst>
   <p:sldSz cx="9144000" cy="6858000" type="screen4x3"/>
   <p:notesSz cx="6858000" cy="9144000"/>
@@ -356,7 +357,7 @@
           <a:p>
             <a:fld id="{2DF66AD8-BC4A-4004-9882-414398D930CA}" type="datetimeFigureOut">
               <a:rPr lang="en-US" smtClean="0"/>
-              <a:t>07.04.13</a:t>
+              <a:t>12.05.13</a:t>
             </a:fld>
             <a:endParaRPr lang="en-US"/>
           </a:p>
@@ -501,7 +502,7 @@
           <a:p>
             <a:fld id="{2DF66AD8-BC4A-4004-9882-414398D930CA}" type="datetimeFigureOut">
               <a:rPr lang="en-US" smtClean="0"/>
-              <a:t>07.04.13</a:t>
+              <a:t>12.05.13</a:t>
             </a:fld>
             <a:endParaRPr lang="en-US"/>
           </a:p>
@@ -958,7 +959,7 @@
           <a:p>
             <a:fld id="{2DF66AD8-BC4A-4004-9882-414398D930CA}" type="datetimeFigureOut">
               <a:rPr lang="en-US" smtClean="0"/>
-              <a:t>07.04.13</a:t>
+              <a:t>12.05.13</a:t>
             </a:fld>
             <a:endParaRPr lang="en-US"/>
           </a:p>
@@ -1326,7 +1327,7 @@
           <a:p>
             <a:fld id="{2DF66AD8-BC4A-4004-9882-414398D930CA}" type="datetimeFigureOut">
               <a:rPr lang="en-US" smtClean="0"/>
-              <a:t>07.04.13</a:t>
+              <a:t>12.05.13</a:t>
             </a:fld>
             <a:endParaRPr lang="en-US"/>
           </a:p>
@@ -1416,7 +1417,7 @@
           <a:p>
             <a:fld id="{2DF66AD8-BC4A-4004-9882-414398D930CA}" type="datetimeFigureOut">
               <a:rPr lang="en-US" smtClean="0"/>
-              <a:t>07.04.13</a:t>
+              <a:t>12.05.13</a:t>
             </a:fld>
             <a:endParaRPr lang="en-US"/>
           </a:p>
@@ -1694,7 +1695,7 @@
           <a:p>
             <a:fld id="{2DF66AD8-BC4A-4004-9882-414398D930CA}" type="datetimeFigureOut">
               <a:rPr lang="en-US" smtClean="0"/>
-              <a:t>07.04.13</a:t>
+              <a:t>12.05.13</a:t>
             </a:fld>
             <a:endParaRPr lang="en-US"/>
           </a:p>
@@ -1887,7 +1888,7 @@
           <a:p>
             <a:fld id="{2DF66AD8-BC4A-4004-9882-414398D930CA}" type="datetimeFigureOut">
               <a:rPr lang="en-US" smtClean="0"/>
-              <a:t>07.04.13</a:t>
+              <a:t>12.05.13</a:t>
             </a:fld>
             <a:endParaRPr lang="en-US"/>
           </a:p>
@@ -2629,7 +2630,7 @@
           <a:p>
             <a:fld id="{2DF66AD8-BC4A-4004-9882-414398D930CA}" type="datetimeFigureOut">
               <a:rPr lang="en-US" smtClean="0"/>
-              <a:t>07.04.13</a:t>
+              <a:t>12.05.13</a:t>
             </a:fld>
             <a:endParaRPr lang="en-US"/>
           </a:p>
@@ -2967,7 +2968,7 @@
           <a:p>
             <a:fld id="{2DF66AD8-BC4A-4004-9882-414398D930CA}" type="datetimeFigureOut">
               <a:rPr lang="en-US" smtClean="0"/>
-              <a:t>07.04.13</a:t>
+              <a:t>12.05.13</a:t>
             </a:fld>
             <a:endParaRPr lang="en-US"/>
           </a:p>
@@ -3564,7 +3565,7 @@
           <a:p>
             <a:fld id="{2DF66AD8-BC4A-4004-9882-414398D930CA}" type="datetimeFigureOut">
               <a:rPr lang="en-US" smtClean="0"/>
-              <a:t>07.04.13</a:t>
+              <a:t>12.05.13</a:t>
             </a:fld>
             <a:endParaRPr lang="en-US"/>
           </a:p>
@@ -3747,7 +3748,7 @@
           <a:p>
             <a:fld id="{2DF66AD8-BC4A-4004-9882-414398D930CA}" type="datetimeFigureOut">
               <a:rPr lang="en-US" smtClean="0"/>
-              <a:t>07.04.13</a:t>
+              <a:t>12.05.13</a:t>
             </a:fld>
             <a:endParaRPr lang="en-US"/>
           </a:p>
@@ -3916,7 +3917,7 @@
           <a:p>
             <a:fld id="{2DF66AD8-BC4A-4004-9882-414398D930CA}" type="datetimeFigureOut">
               <a:rPr lang="en-US" smtClean="0"/>
-              <a:t>07.04.13</a:t>
+              <a:t>12.05.13</a:t>
             </a:fld>
             <a:endParaRPr lang="en-US"/>
           </a:p>
@@ -4109,7 +4110,7 @@
           <a:p>
             <a:fld id="{2DF66AD8-BC4A-4004-9882-414398D930CA}" type="datetimeFigureOut">
               <a:rPr lang="en-US" smtClean="0"/>
-              <a:t>07.04.13</a:t>
+              <a:t>12.05.13</a:t>
             </a:fld>
             <a:endParaRPr lang="en-US"/>
           </a:p>
@@ -4528,7 +4529,7 @@
           <a:p>
             <a:fld id="{2DF66AD8-BC4A-4004-9882-414398D930CA}" type="datetimeFigureOut">
               <a:rPr lang="en-US" smtClean="0"/>
-              <a:t>07.04.13</a:t>
+              <a:t>12.05.13</a:t>
             </a:fld>
             <a:endParaRPr lang="en-US"/>
           </a:p>
@@ -4826,7 +4827,7 @@
           <a:p>
             <a:fld id="{2DF66AD8-BC4A-4004-9882-414398D930CA}" type="datetimeFigureOut">
               <a:rPr lang="en-US" smtClean="0"/>
-              <a:t>07.04.13</a:t>
+              <a:t>12.05.13</a:t>
             </a:fld>
             <a:endParaRPr lang="en-US"/>
           </a:p>
@@ -5227,7 +5228,7 @@
           <a:p>
             <a:fld id="{2DF66AD8-BC4A-4004-9882-414398D930CA}" type="datetimeFigureOut">
               <a:rPr lang="en-US" smtClean="0"/>
-              <a:t>07.04.13</a:t>
+              <a:t>12.05.13</a:t>
             </a:fld>
             <a:endParaRPr lang="en-US"/>
           </a:p>
@@ -5617,7 +5618,7 @@
           <a:p>
             <a:fld id="{2DF66AD8-BC4A-4004-9882-414398D930CA}" type="datetimeFigureOut">
               <a:rPr lang="en-US" smtClean="0"/>
-              <a:t>07.04.13</a:t>
+              <a:t>12.05.13</a:t>
             </a:fld>
             <a:endParaRPr lang="en-US"/>
           </a:p>
@@ -5900,7 +5901,7 @@
           <a:p>
             <a:fld id="{2DF66AD8-BC4A-4004-9882-414398D930CA}" type="datetimeFigureOut">
               <a:rPr lang="en-US" smtClean="0"/>
-              <a:t>07.04.13</a:t>
+              <a:t>12.05.13</a:t>
             </a:fld>
             <a:endParaRPr lang="en-US"/>
           </a:p>
@@ -6339,7 +6340,7 @@
           <a:p>
             <a:fld id="{2DF66AD8-BC4A-4004-9882-414398D930CA}" type="datetimeFigureOut">
               <a:rPr lang="en-US" smtClean="0"/>
-              <a:t>07.04.13</a:t>
+              <a:t>12.05.13</a:t>
             </a:fld>
             <a:endParaRPr lang="en-US"/>
           </a:p>
@@ -6633,7 +6634,7 @@
           <a:p>
             <a:fld id="{2DF66AD8-BC4A-4004-9882-414398D930CA}" type="datetimeFigureOut">
               <a:rPr lang="en-US" smtClean="0"/>
-              <a:t>07.04.13</a:t>
+              <a:t>12.05.13</a:t>
             </a:fld>
             <a:endParaRPr lang="en-US"/>
           </a:p>
@@ -6925,7 +6926,7 @@
           <a:p>
             <a:fld id="{2DF66AD8-BC4A-4004-9882-414398D930CA}" type="datetimeFigureOut">
               <a:rPr lang="en-US" smtClean="0"/>
-              <a:t>07.04.13</a:t>
+              <a:t>12.05.13</a:t>
             </a:fld>
             <a:endParaRPr lang="en-US"/>
           </a:p>
@@ -8230,12 +8231,39 @@
       </p:grpSpPr>
       <p:sp>
         <p:nvSpPr>
-          <p:cNvPr id="2" name="Titel 1"/>
-          <p:cNvSpPr>
-            <a:spLocks noGrp="1"/>
-          </p:cNvSpPr>
-          <p:nvPr>
-            <p:ph type="ctrTitle"/>
+          <p:cNvPr id="4" name="Titel 3"/>
+          <p:cNvSpPr>
+            <a:spLocks noGrp="1"/>
+          </p:cNvSpPr>
+          <p:nvPr>
+            <p:ph type="title"/>
+          </p:nvPr>
+        </p:nvSpPr>
+        <p:spPr/>
+        <p:txBody>
+          <a:bodyPr/>
+          <a:lstStyle/>
+          <a:p>
+            <a:r>
+              <a:rPr lang="de-DE" dirty="0" err="1" smtClean="0"/>
+              <a:t>EasyMock</a:t>
+            </a:r>
+            <a:r>
+              <a:rPr lang="de-DE" dirty="0" smtClean="0"/>
+              <a:t> ist energielos</a:t>
+            </a:r>
+            <a:endParaRPr lang="de-DE" dirty="0"/>
+          </a:p>
+        </p:txBody>
+      </p:sp>
+      <p:sp>
+        <p:nvSpPr>
+          <p:cNvPr id="5" name="Textplatzhalter 4"/>
+          <p:cNvSpPr>
+            <a:spLocks noGrp="1"/>
+          </p:cNvSpPr>
+          <p:nvPr>
+            <p:ph type="body" sz="half" idx="2"/>
           </p:nvPr>
         </p:nvSpPr>
         <p:spPr/>
@@ -8247,25 +8275,31 @@
           </a:p>
         </p:txBody>
       </p:sp>
-      <p:sp>
-        <p:nvSpPr>
-          <p:cNvPr id="3" name="Untertitel 2"/>
-          <p:cNvSpPr>
-            <a:spLocks noGrp="1"/>
-          </p:cNvSpPr>
-          <p:nvPr>
-            <p:ph type="subTitle" idx="1"/>
-          </p:nvPr>
-        </p:nvSpPr>
-        <p:spPr/>
-        <p:txBody>
-          <a:bodyPr/>
-          <a:lstStyle/>
-          <a:p>
-            <a:endParaRPr lang="de-DE"/>
-          </a:p>
-        </p:txBody>
-      </p:sp>
+      <p:pic>
+        <p:nvPicPr>
+          <p:cNvPr id="7" name="Bildplatzhalter 6" descr="Runde5EasyMock.png"/>
+          <p:cNvPicPr>
+            <a:picLocks noGrp="1" noChangeAspect="1"/>
+          </p:cNvPicPr>
+          <p:nvPr>
+            <p:ph type="pic" sz="quarter" idx="15"/>
+          </p:nvPr>
+        </p:nvPicPr>
+        <p:blipFill>
+          <a:blip r:embed="rId2">
+            <a:extLst>
+              <a:ext uri="{28A0092B-C50C-407E-A947-70E740481C1C}">
+                <a14:useLocalDpi xmlns:a14="http://schemas.microsoft.com/office/drawing/2010/main" val="0"/>
+              </a:ext>
+            </a:extLst>
+          </a:blip>
+          <a:srcRect l="16458" r="16458"/>
+          <a:stretch>
+            <a:fillRect/>
+          </a:stretch>
+        </p:blipFill>
+        <p:spPr/>
+      </p:pic>
     </p:spTree>
     <p:extLst>
       <p:ext uri="{BB962C8B-B14F-4D97-AF65-F5344CB8AC3E}">
@@ -8287,6 +8321,132 @@
 </file>
 
 <file path=ppt/slides/slide16.xml><?xml version="1.0" encoding="utf-8"?>
+<p:sld xmlns:a="http://schemas.openxmlformats.org/drawingml/2006/main" xmlns:r="http://schemas.openxmlformats.org/officeDocument/2006/relationships" xmlns:p="http://schemas.openxmlformats.org/presentationml/2006/main">
+  <p:cSld>
+    <p:spTree>
+      <p:nvGrpSpPr>
+        <p:cNvPr id="1" name=""/>
+        <p:cNvGrpSpPr/>
+        <p:nvPr/>
+      </p:nvGrpSpPr>
+      <p:grpSpPr>
+        <a:xfrm>
+          <a:off x="0" y="0"/>
+          <a:ext cx="0" cy="0"/>
+          <a:chOff x="0" y="0"/>
+          <a:chExt cx="0" cy="0"/>
+        </a:xfrm>
+      </p:grpSpPr>
+      <p:sp>
+        <p:nvSpPr>
+          <p:cNvPr id="2" name="Titel 1"/>
+          <p:cNvSpPr>
+            <a:spLocks noGrp="1"/>
+          </p:cNvSpPr>
+          <p:nvPr>
+            <p:ph type="title"/>
+          </p:nvPr>
+        </p:nvSpPr>
+        <p:spPr/>
+        <p:txBody>
+          <a:bodyPr/>
+          <a:lstStyle/>
+          <a:p>
+            <a:r>
+              <a:rPr lang="de-DE" dirty="0" err="1" smtClean="0"/>
+              <a:t>Mockito</a:t>
+            </a:r>
+            <a:r>
+              <a:rPr lang="de-DE" dirty="0" smtClean="0"/>
+              <a:t> hat noch Reserven</a:t>
+            </a:r>
+            <a:endParaRPr lang="de-DE" dirty="0"/>
+          </a:p>
+        </p:txBody>
+      </p:sp>
+      <p:pic>
+        <p:nvPicPr>
+          <p:cNvPr id="6" name="Bildplatzhalter 5" descr="Runde5Mockito_2.png"/>
+          <p:cNvPicPr>
+            <a:picLocks noGrp="1" noChangeAspect="1"/>
+          </p:cNvPicPr>
+          <p:nvPr>
+            <p:ph type="pic" sz="quarter" idx="17"/>
+          </p:nvPr>
+        </p:nvPicPr>
+        <p:blipFill>
+          <a:blip r:embed="rId2">
+            <a:extLst>
+              <a:ext uri="{28A0092B-C50C-407E-A947-70E740481C1C}">
+                <a14:useLocalDpi xmlns:a14="http://schemas.microsoft.com/office/drawing/2010/main" val="0"/>
+              </a:ext>
+            </a:extLst>
+          </a:blip>
+          <a:srcRect l="23574" r="23574"/>
+          <a:stretch>
+            <a:fillRect/>
+          </a:stretch>
+        </p:blipFill>
+        <p:spPr/>
+      </p:pic>
+      <p:pic>
+        <p:nvPicPr>
+          <p:cNvPr id="7" name="Bildplatzhalter 6" descr="Runde5Mockito_1.png"/>
+          <p:cNvPicPr>
+            <a:picLocks noGrp="1" noChangeAspect="1"/>
+          </p:cNvPicPr>
+          <p:nvPr>
+            <p:ph type="pic" sz="quarter" idx="16"/>
+          </p:nvPr>
+        </p:nvPicPr>
+        <p:blipFill>
+          <a:blip r:embed="rId3">
+            <a:extLst>
+              <a:ext uri="{28A0092B-C50C-407E-A947-70E740481C1C}">
+                <a14:useLocalDpi xmlns:a14="http://schemas.microsoft.com/office/drawing/2010/main" val="0"/>
+              </a:ext>
+            </a:extLst>
+          </a:blip>
+          <a:srcRect l="11554" r="11554"/>
+          <a:stretch>
+            <a:fillRect/>
+          </a:stretch>
+        </p:blipFill>
+        <p:spPr/>
+      </p:pic>
+      <p:sp>
+        <p:nvSpPr>
+          <p:cNvPr id="5" name="Textplatzhalter 4"/>
+          <p:cNvSpPr>
+            <a:spLocks noGrp="1"/>
+          </p:cNvSpPr>
+          <p:nvPr>
+            <p:ph type="body" sz="half" idx="2"/>
+          </p:nvPr>
+        </p:nvSpPr>
+        <p:spPr/>
+        <p:txBody>
+          <a:bodyPr/>
+          <a:lstStyle/>
+          <a:p>
+            <a:endParaRPr lang="de-DE"/>
+          </a:p>
+        </p:txBody>
+      </p:sp>
+    </p:spTree>
+    <p:extLst>
+      <p:ext uri="{BB962C8B-B14F-4D97-AF65-F5344CB8AC3E}">
+        <p14:creationId xmlns:p14="http://schemas.microsoft.com/office/powerpoint/2010/main" val="546864796"/>
+      </p:ext>
+    </p:extLst>
+  </p:cSld>
+  <p:clrMapOvr>
+    <a:masterClrMapping/>
+  </p:clrMapOvr>
+</p:sld>
+</file>
+
+<file path=ppt/slides/slide17.xml><?xml version="1.0" encoding="utf-8"?>
 <p:sld xmlns:a="http://schemas.openxmlformats.org/drawingml/2006/main" xmlns:r="http://schemas.openxmlformats.org/officeDocument/2006/relationships" xmlns:p="http://schemas.openxmlformats.org/presentationml/2006/main">
   <p:cSld>
     <p:spTree>
@@ -8467,7 +8627,7 @@
 </p:sld>
 </file>
 
-<file path=ppt/slides/slide17.xml><?xml version="1.0" encoding="utf-8"?>
+<file path=ppt/slides/slide18.xml><?xml version="1.0" encoding="utf-8"?>
 <p:sld xmlns:a="http://schemas.openxmlformats.org/drawingml/2006/main" xmlns:r="http://schemas.openxmlformats.org/officeDocument/2006/relationships" xmlns:p="http://schemas.openxmlformats.org/presentationml/2006/main">
   <p:cSld>
     <p:spTree>
@@ -8486,39 +8646,234 @@
       </p:grpSpPr>
       <p:sp>
         <p:nvSpPr>
-          <p:cNvPr id="2" name="Titel 1"/>
-          <p:cNvSpPr>
-            <a:spLocks noGrp="1"/>
-          </p:cNvSpPr>
-          <p:nvPr>
-            <p:ph type="ctrTitle"/>
-          </p:nvPr>
-        </p:nvSpPr>
-        <p:spPr/>
-        <p:txBody>
-          <a:bodyPr/>
-          <a:lstStyle/>
-          <a:p>
-            <a:endParaRPr lang="de-DE"/>
-          </a:p>
-        </p:txBody>
-      </p:sp>
-      <p:sp>
-        <p:nvSpPr>
-          <p:cNvPr id="3" name="Untertitel 2"/>
-          <p:cNvSpPr>
-            <a:spLocks noGrp="1"/>
-          </p:cNvSpPr>
-          <p:nvPr>
-            <p:ph type="subTitle" idx="1"/>
-          </p:nvPr>
-        </p:nvSpPr>
-        <p:spPr/>
-        <p:txBody>
-          <a:bodyPr/>
-          <a:lstStyle/>
-          <a:p>
-            <a:endParaRPr lang="de-DE"/>
+          <p:cNvPr id="4" name="Titel 3"/>
+          <p:cNvSpPr>
+            <a:spLocks noGrp="1"/>
+          </p:cNvSpPr>
+          <p:nvPr>
+            <p:ph type="title"/>
+          </p:nvPr>
+        </p:nvSpPr>
+        <p:spPr/>
+        <p:txBody>
+          <a:bodyPr/>
+          <a:lstStyle/>
+          <a:p>
+            <a:r>
+              <a:rPr lang="de-DE" dirty="0" smtClean="0"/>
+              <a:t>Entscheidet selber ...</a:t>
+            </a:r>
+            <a:endParaRPr lang="de-DE" dirty="0"/>
+          </a:p>
+        </p:txBody>
+      </p:sp>
+      <p:sp>
+        <p:nvSpPr>
+          <p:cNvPr id="5" name="Inhaltsplatzhalter 4"/>
+          <p:cNvSpPr>
+            <a:spLocks noGrp="1"/>
+          </p:cNvSpPr>
+          <p:nvPr>
+            <p:ph sz="half" idx="1"/>
+          </p:nvPr>
+        </p:nvSpPr>
+        <p:spPr/>
+        <p:txBody>
+          <a:bodyPr/>
+          <a:lstStyle/>
+          <a:p>
+            <a:pPr marL="0" indent="0">
+              <a:buNone/>
+            </a:pPr>
+            <a:r>
+              <a:rPr lang="de-DE" b="1" dirty="0" err="1" smtClean="0"/>
+              <a:t>Easymock</a:t>
+            </a:r>
+            <a:endParaRPr lang="de-DE" b="1" dirty="0" smtClean="0"/>
+          </a:p>
+          <a:p>
+            <a:r>
+              <a:rPr lang="de-DE" dirty="0" smtClean="0"/>
+              <a:t>Version 3.1 (Nov 2011)</a:t>
+            </a:r>
+          </a:p>
+          <a:p>
+            <a:r>
+              <a:rPr lang="de-DE" dirty="0" smtClean="0"/>
+              <a:t>nur Interfaces</a:t>
+            </a:r>
+            <a:endParaRPr lang="de-DE" dirty="0"/>
+          </a:p>
+        </p:txBody>
+      </p:sp>
+      <p:sp>
+        <p:nvSpPr>
+          <p:cNvPr id="6" name="Inhaltsplatzhalter 5"/>
+          <p:cNvSpPr>
+            <a:spLocks noGrp="1"/>
+          </p:cNvSpPr>
+          <p:nvPr>
+            <p:ph sz="half" idx="13"/>
+          </p:nvPr>
+        </p:nvSpPr>
+        <p:spPr/>
+        <p:txBody>
+          <a:bodyPr/>
+          <a:lstStyle/>
+          <a:p>
+            <a:r>
+              <a:rPr lang="de-DE" dirty="0" smtClean="0"/>
+              <a:t>Kein </a:t>
+            </a:r>
+            <a:r>
+              <a:rPr lang="de-DE" dirty="0" err="1" smtClean="0"/>
+              <a:t>mocken</a:t>
+            </a:r>
+            <a:r>
+              <a:rPr lang="de-DE" dirty="0" smtClean="0"/>
+              <a:t> von </a:t>
+            </a:r>
+            <a:r>
+              <a:rPr lang="de-DE" dirty="0" err="1" smtClean="0"/>
+              <a:t>equals</a:t>
+            </a:r>
+            <a:r>
+              <a:rPr lang="de-DE" dirty="0" smtClean="0"/>
+              <a:t>(), </a:t>
+            </a:r>
+            <a:r>
+              <a:rPr lang="de-DE" dirty="0" err="1" smtClean="0"/>
+              <a:t>hashCode</a:t>
+            </a:r>
+            <a:r>
+              <a:rPr lang="de-DE" dirty="0" smtClean="0"/>
+              <a:t>(), </a:t>
+            </a:r>
+            <a:r>
+              <a:rPr lang="de-DE" dirty="0" err="1" smtClean="0"/>
+              <a:t>toString</a:t>
+            </a:r>
+            <a:r>
+              <a:rPr lang="de-DE" dirty="0" smtClean="0"/>
+              <a:t>() und </a:t>
+            </a:r>
+            <a:r>
+              <a:rPr lang="de-DE" dirty="0" err="1" smtClean="0"/>
+              <a:t>finalize</a:t>
+            </a:r>
+            <a:r>
+              <a:rPr lang="de-DE" dirty="0" smtClean="0"/>
+              <a:t>()</a:t>
+            </a:r>
+            <a:endParaRPr lang="de-DE" dirty="0"/>
+          </a:p>
+        </p:txBody>
+      </p:sp>
+      <p:sp>
+        <p:nvSpPr>
+          <p:cNvPr id="7" name="Inhaltsplatzhalter 6"/>
+          <p:cNvSpPr>
+            <a:spLocks noGrp="1"/>
+          </p:cNvSpPr>
+          <p:nvPr>
+            <p:ph sz="half" idx="14"/>
+          </p:nvPr>
+        </p:nvSpPr>
+        <p:spPr/>
+        <p:txBody>
+          <a:bodyPr>
+            <a:normAutofit lnSpcReduction="10000"/>
+          </a:bodyPr>
+          <a:lstStyle/>
+          <a:p>
+            <a:pPr marL="0" indent="0">
+              <a:buNone/>
+            </a:pPr>
+            <a:r>
+              <a:rPr lang="de-DE" b="1" dirty="0" err="1" smtClean="0"/>
+              <a:t>Mockito</a:t>
+            </a:r>
+            <a:endParaRPr lang="de-DE" b="1" dirty="0"/>
+          </a:p>
+          <a:p>
+            <a:r>
+              <a:rPr lang="de-DE" dirty="0" smtClean="0"/>
+              <a:t>Version 1.9.5 (Nov 2012)</a:t>
+            </a:r>
+          </a:p>
+          <a:p>
+            <a:r>
+              <a:rPr lang="de-DE" dirty="0" err="1" smtClean="0"/>
+              <a:t>mocken</a:t>
+            </a:r>
+            <a:r>
+              <a:rPr lang="de-DE" dirty="0" smtClean="0"/>
+              <a:t> von realen Objekten</a:t>
+            </a:r>
+          </a:p>
+          <a:p>
+            <a:pPr>
+              <a:buFont typeface="Arial"/>
+              <a:buChar char="•"/>
+            </a:pPr>
+            <a:endParaRPr lang="de-DE" dirty="0"/>
+          </a:p>
+        </p:txBody>
+      </p:sp>
+      <p:sp>
+        <p:nvSpPr>
+          <p:cNvPr id="8" name="Inhaltsplatzhalter 7"/>
+          <p:cNvSpPr>
+            <a:spLocks noGrp="1"/>
+          </p:cNvSpPr>
+          <p:nvPr>
+            <p:ph sz="half" idx="15"/>
+          </p:nvPr>
+        </p:nvSpPr>
+        <p:spPr/>
+        <p:txBody>
+          <a:bodyPr/>
+          <a:lstStyle/>
+          <a:p>
+            <a:r>
+              <a:rPr lang="de-DE" dirty="0" smtClean="0"/>
+              <a:t>Kein </a:t>
+            </a:r>
+            <a:r>
+              <a:rPr lang="de-DE" dirty="0" err="1" smtClean="0"/>
+              <a:t>mocken</a:t>
+            </a:r>
+            <a:r>
+              <a:rPr lang="de-DE" dirty="0" smtClean="0"/>
+              <a:t> von </a:t>
+            </a:r>
+            <a:r>
+              <a:rPr lang="de-DE" dirty="0" err="1" smtClean="0"/>
+              <a:t>equals</a:t>
+            </a:r>
+            <a:r>
+              <a:rPr lang="de-DE" dirty="0" smtClean="0"/>
+              <a:t>() und </a:t>
+            </a:r>
+            <a:r>
+              <a:rPr lang="de-DE" dirty="0" err="1" smtClean="0"/>
+              <a:t>hashCode</a:t>
+            </a:r>
+            <a:r>
+              <a:rPr lang="de-DE" dirty="0" smtClean="0"/>
+              <a:t>()</a:t>
+            </a:r>
+          </a:p>
+          <a:p>
+            <a:r>
+              <a:rPr lang="de-DE" dirty="0" smtClean="0"/>
+              <a:t>Manipulieren von </a:t>
+            </a:r>
+            <a:r>
+              <a:rPr lang="de-DE" dirty="0" err="1" smtClean="0"/>
+              <a:t>void</a:t>
+            </a:r>
+            <a:endParaRPr lang="de-DE" dirty="0"/>
           </a:p>
         </p:txBody>
       </p:sp>
